--- a/Python Final Project Presentation Philip King.pptx
+++ b/Python Final Project Presentation Philip King.pptx
@@ -12,6 +12,7 @@
     <p:sldId id="260" r:id="rId6"/>
     <p:sldId id="261" r:id="rId7"/>
     <p:sldId id="262" r:id="rId8"/>
+    <p:sldId id="263" r:id="rId9"/>
   </p:sldIdLst>
   <p:sldSz cx="12192000" cy="6858000"/>
   <p:notesSz cx="6858000" cy="9144000"/>
@@ -110,6 +111,11 @@
       </a:defRPr>
     </a:lvl9pPr>
   </p:defaultTextStyle>
+  <p:extLst>
+    <p:ext uri="{EFAFB233-063F-42B5-8137-9DF3F51BA10A}">
+      <p15:sldGuideLst xmlns:p15="http://schemas.microsoft.com/office/powerpoint/2012/main"/>
+    </p:ext>
+  </p:extLst>
 </p:presentation>
 </file>
 
@@ -2854,7 +2860,7 @@
 </file>
 
 <file path=ppt/slideLayouts/slideLayout1.xml><?xml version="1.0" encoding="utf-8"?>
-<p:sldLayout xmlns:a="http://schemas.openxmlformats.org/drawingml/2006/main" xmlns:r="http://schemas.openxmlformats.org/officeDocument/2006/relationships" xmlns:p="http://schemas.openxmlformats.org/presentationml/2006/main" showMasterSp="0" type="title" preserve="1">
+<p:sldLayout xmlns:a="http://schemas.openxmlformats.org/drawingml/2006/main" xmlns:r="http://schemas.openxmlformats.org/officeDocument/2006/relationships" xmlns:p="http://schemas.openxmlformats.org/presentationml/2006/main" type="title" preserve="1">
   <p:cSld name="Title Slide">
     <p:spTree>
       <p:nvGrpSpPr>
@@ -3079,7 +3085,7 @@
           <a:p>
             <a:fld id="{935AE97C-D904-46D5-AFB6-50EBEB7A2860}" type="datetimeFigureOut">
               <a:rPr lang="en-US" smtClean="0"/>
-              <a:t>4/14/2019</a:t>
+              <a:t>4/28/2019</a:t>
             </a:fld>
             <a:endParaRPr lang="en-US"/>
           </a:p>
@@ -3287,7 +3293,7 @@
           <a:p>
             <a:fld id="{935AE97C-D904-46D5-AFB6-50EBEB7A2860}" type="datetimeFigureOut">
               <a:rPr lang="en-US" smtClean="0"/>
-              <a:t>4/14/2019</a:t>
+              <a:t>4/28/2019</a:t>
             </a:fld>
             <a:endParaRPr lang="en-US"/>
           </a:p>
@@ -3349,7 +3355,7 @@
 </file>
 
 <file path=ppt/slideLayouts/slideLayout11.xml><?xml version="1.0" encoding="utf-8"?>
-<p:sldLayout xmlns:a="http://schemas.openxmlformats.org/drawingml/2006/main" xmlns:r="http://schemas.openxmlformats.org/officeDocument/2006/relationships" xmlns:p="http://schemas.openxmlformats.org/presentationml/2006/main" showMasterSp="0" type="vertTitleAndTx" preserve="1">
+<p:sldLayout xmlns:a="http://schemas.openxmlformats.org/drawingml/2006/main" xmlns:r="http://schemas.openxmlformats.org/officeDocument/2006/relationships" xmlns:p="http://schemas.openxmlformats.org/presentationml/2006/main" type="vertTitleAndTx" preserve="1">
   <p:cSld name="Vertical Title and Text">
     <p:spTree>
       <p:nvGrpSpPr>
@@ -3543,7 +3549,7 @@
           <a:p>
             <a:fld id="{935AE97C-D904-46D5-AFB6-50EBEB7A2860}" type="datetimeFigureOut">
               <a:rPr lang="en-US" smtClean="0"/>
-              <a:t>4/14/2019</a:t>
+              <a:t>4/28/2019</a:t>
             </a:fld>
             <a:endParaRPr lang="en-US"/>
           </a:p>
@@ -3717,7 +3723,7 @@
           <a:p>
             <a:fld id="{935AE97C-D904-46D5-AFB6-50EBEB7A2860}" type="datetimeFigureOut">
               <a:rPr lang="en-US" smtClean="0"/>
-              <a:t>4/14/2019</a:t>
+              <a:t>4/28/2019</a:t>
             </a:fld>
             <a:endParaRPr lang="en-US"/>
           </a:p>
@@ -3779,16 +3785,8 @@
 </file>
 
 <file path=ppt/slideLayouts/slideLayout3.xml><?xml version="1.0" encoding="utf-8"?>
-<p:sldLayout xmlns:a="http://schemas.openxmlformats.org/drawingml/2006/main" xmlns:r="http://schemas.openxmlformats.org/officeDocument/2006/relationships" xmlns:p="http://schemas.openxmlformats.org/presentationml/2006/main" showMasterSp="0" type="secHead" preserve="1">
+<p:sldLayout xmlns:a="http://schemas.openxmlformats.org/drawingml/2006/main" xmlns:r="http://schemas.openxmlformats.org/officeDocument/2006/relationships" xmlns:p="http://schemas.openxmlformats.org/presentationml/2006/main" type="secHead" preserve="1">
   <p:cSld name="Section Header">
-    <p:bg>
-      <p:bgPr>
-        <a:solidFill>
-          <a:schemeClr val="bg1"/>
-        </a:solidFill>
-        <a:effectLst/>
-      </p:bgPr>
-    </p:bg>
     <p:spTree>
       <p:nvGrpSpPr>
         <p:cNvPr id="1" name=""/>
@@ -4060,7 +4058,7 @@
           <a:p>
             <a:fld id="{935AE97C-D904-46D5-AFB6-50EBEB7A2860}" type="datetimeFigureOut">
               <a:rPr lang="en-US" smtClean="0"/>
-              <a:t>4/14/2019</a:t>
+              <a:t>4/28/2019</a:t>
             </a:fld>
             <a:endParaRPr lang="en-US"/>
           </a:p>
@@ -4335,7 +4333,7 @@
           <a:p>
             <a:fld id="{935AE97C-D904-46D5-AFB6-50EBEB7A2860}" type="datetimeFigureOut">
               <a:rPr lang="en-US" smtClean="0"/>
-              <a:t>4/14/2019</a:t>
+              <a:t>4/28/2019</a:t>
             </a:fld>
             <a:endParaRPr lang="en-US"/>
           </a:p>
@@ -4714,7 +4712,7 @@
           <a:p>
             <a:fld id="{935AE97C-D904-46D5-AFB6-50EBEB7A2860}" type="datetimeFigureOut">
               <a:rPr lang="en-US" smtClean="0"/>
-              <a:t>4/14/2019</a:t>
+              <a:t>4/28/2019</a:t>
             </a:fld>
             <a:endParaRPr lang="en-US"/>
           </a:p>
@@ -4832,7 +4830,7 @@
           <a:p>
             <a:fld id="{935AE97C-D904-46D5-AFB6-50EBEB7A2860}" type="datetimeFigureOut">
               <a:rPr lang="en-US" smtClean="0"/>
-              <a:t>4/14/2019</a:t>
+              <a:t>4/28/2019</a:t>
             </a:fld>
             <a:endParaRPr lang="en-US"/>
           </a:p>
@@ -4894,7 +4892,7 @@
 </file>
 
 <file path=ppt/slideLayouts/slideLayout7.xml><?xml version="1.0" encoding="utf-8"?>
-<p:sldLayout xmlns:a="http://schemas.openxmlformats.org/drawingml/2006/main" xmlns:r="http://schemas.openxmlformats.org/officeDocument/2006/relationships" xmlns:p="http://schemas.openxmlformats.org/presentationml/2006/main" showMasterSp="0" type="blank" preserve="1">
+<p:sldLayout xmlns:a="http://schemas.openxmlformats.org/drawingml/2006/main" xmlns:r="http://schemas.openxmlformats.org/officeDocument/2006/relationships" xmlns:p="http://schemas.openxmlformats.org/presentationml/2006/main" type="blank" preserve="1">
   <p:cSld name="Blank">
     <p:spTree>
       <p:nvGrpSpPr>
@@ -5003,7 +5001,7 @@
           <a:p>
             <a:fld id="{935AE97C-D904-46D5-AFB6-50EBEB7A2860}" type="datetimeFigureOut">
               <a:rPr lang="en-US" smtClean="0"/>
-              <a:t>4/14/2019</a:t>
+              <a:t>4/28/2019</a:t>
             </a:fld>
             <a:endParaRPr lang="en-US"/>
           </a:p>
@@ -5073,7 +5071,7 @@
 </file>
 
 <file path=ppt/slideLayouts/slideLayout8.xml><?xml version="1.0" encoding="utf-8"?>
-<p:sldLayout xmlns:a="http://schemas.openxmlformats.org/drawingml/2006/main" xmlns:r="http://schemas.openxmlformats.org/officeDocument/2006/relationships" xmlns:p="http://schemas.openxmlformats.org/presentationml/2006/main" showMasterSp="0" type="objTx" preserve="1">
+<p:sldLayout xmlns:a="http://schemas.openxmlformats.org/drawingml/2006/main" xmlns:r="http://schemas.openxmlformats.org/officeDocument/2006/relationships" xmlns:p="http://schemas.openxmlformats.org/presentationml/2006/main" type="objTx" preserve="1">
   <p:cSld name="Content with Caption">
     <p:spTree>
       <p:nvGrpSpPr>
@@ -5357,7 +5355,7 @@
           <a:p>
             <a:fld id="{935AE97C-D904-46D5-AFB6-50EBEB7A2860}" type="datetimeFigureOut">
               <a:rPr lang="en-US" smtClean="0"/>
-              <a:t>4/14/2019</a:t>
+              <a:t>4/28/2019</a:t>
             </a:fld>
             <a:endParaRPr lang="en-US"/>
           </a:p>
@@ -5440,7 +5438,7 @@
 </file>
 
 <file path=ppt/slideLayouts/slideLayout9.xml><?xml version="1.0" encoding="utf-8"?>
-<p:sldLayout xmlns:a="http://schemas.openxmlformats.org/drawingml/2006/main" xmlns:r="http://schemas.openxmlformats.org/officeDocument/2006/relationships" xmlns:p="http://schemas.openxmlformats.org/presentationml/2006/main" showMasterSp="0" type="picTx" preserve="1">
+<p:sldLayout xmlns:a="http://schemas.openxmlformats.org/drawingml/2006/main" xmlns:r="http://schemas.openxmlformats.org/officeDocument/2006/relationships" xmlns:p="http://schemas.openxmlformats.org/presentationml/2006/main" type="picTx" preserve="1">
   <p:cSld name="Picture with Caption">
     <p:spTree>
       <p:nvGrpSpPr>
@@ -5739,7 +5737,7 @@
           <a:p>
             <a:fld id="{935AE97C-D904-46D5-AFB6-50EBEB7A2860}" type="datetimeFigureOut">
               <a:rPr lang="en-US" smtClean="0"/>
-              <a:t>4/14/2019</a:t>
+              <a:t>4/28/2019</a:t>
             </a:fld>
             <a:endParaRPr lang="en-US"/>
           </a:p>
@@ -5804,9 +5802,14 @@
 <p:sldMaster xmlns:a="http://schemas.openxmlformats.org/drawingml/2006/main" xmlns:r="http://schemas.openxmlformats.org/officeDocument/2006/relationships" xmlns:p="http://schemas.openxmlformats.org/presentationml/2006/main">
   <p:cSld>
     <p:bg>
-      <p:bgRef idx="1001">
-        <a:schemeClr val="bg1"/>
-      </p:bgRef>
+      <p:bgPr>
+        <a:solidFill>
+          <a:schemeClr val="bg1">
+            <a:alpha val="21000"/>
+          </a:schemeClr>
+        </a:solidFill>
+        <a:effectLst/>
+      </p:bgPr>
     </p:bg>
     <p:spTree>
       <p:nvGrpSpPr>
@@ -6026,7 +6029,7 @@
           <a:p>
             <a:fld id="{935AE97C-D904-46D5-AFB6-50EBEB7A2860}" type="datetimeFigureOut">
               <a:rPr lang="en-US" smtClean="0"/>
-              <a:t>4/14/2019</a:t>
+              <a:t>4/28/2019</a:t>
             </a:fld>
             <a:endParaRPr lang="en-US"/>
           </a:p>
@@ -6669,14 +6672,6 @@
 <file path=ppt/slides/slide2.xml><?xml version="1.0" encoding="utf-8"?>
 <p:sld xmlns:a="http://schemas.openxmlformats.org/drawingml/2006/main" xmlns:r="http://schemas.openxmlformats.org/officeDocument/2006/relationships" xmlns:p="http://schemas.openxmlformats.org/presentationml/2006/main">
   <p:cSld>
-    <p:bg>
-      <p:bgPr>
-        <a:solidFill>
-          <a:schemeClr val="bg1"/>
-        </a:solidFill>
-        <a:effectLst/>
-      </p:bgPr>
-    </p:bg>
     <p:spTree>
       <p:nvGrpSpPr>
         <p:cNvPr id="1" name=""/>
@@ -6998,14 +6993,6 @@
 <file path=ppt/slides/slide3.xml><?xml version="1.0" encoding="utf-8"?>
 <p:sld xmlns:a="http://schemas.openxmlformats.org/drawingml/2006/main" xmlns:r="http://schemas.openxmlformats.org/officeDocument/2006/relationships" xmlns:p="http://schemas.openxmlformats.org/presentationml/2006/main">
   <p:cSld>
-    <p:bg>
-      <p:bgPr>
-        <a:solidFill>
-          <a:schemeClr val="bg1"/>
-        </a:solidFill>
-        <a:effectLst/>
-      </p:bgPr>
-    </p:bg>
     <p:spTree>
       <p:nvGrpSpPr>
         <p:cNvPr id="1" name=""/>
@@ -7565,8 +7552,8 @@
           </a:extLst>
         </p:spPr>
       </p:pic>
-      <mc:AlternateContent xmlns:mc="http://schemas.openxmlformats.org/markup-compatibility/2006">
-        <mc:Choice xmlns:p14="http://schemas.microsoft.com/office/powerpoint/2010/main" Requires="p14">
+      <mc:AlternateContent xmlns:mc="http://schemas.openxmlformats.org/markup-compatibility/2006" xmlns:p14="http://schemas.microsoft.com/office/powerpoint/2010/main">
+        <mc:Choice Requires="p14">
           <p:contentPart p14:bwMode="auto" r:id="rId6">
             <p14:nvContentPartPr>
               <p14:cNvPr id="10" name="Ink 9">
@@ -7585,7 +7572,7 @@
             </p14:xfrm>
           </p:contentPart>
         </mc:Choice>
-        <mc:Fallback>
+        <mc:Fallback xmlns="">
           <p:pic>
             <p:nvPicPr>
               <p:cNvPr id="10" name="Ink 9">
@@ -7693,6 +7680,54 @@
           <a:chExt cx="0" cy="0"/>
         </a:xfrm>
       </p:grpSpPr>
+      <p:pic>
+        <p:nvPicPr>
+          <p:cNvPr id="2050" name="Picture 2" descr="Image result for coding">
+            <a:extLst>
+              <a:ext uri="{FF2B5EF4-FFF2-40B4-BE49-F238E27FC236}">
+                <a16:creationId xmlns:a16="http://schemas.microsoft.com/office/drawing/2014/main" id="{E3FC7162-79FE-42E6-9CF5-E80784FB53AF}"/>
+              </a:ext>
+            </a:extLst>
+          </p:cNvPr>
+          <p:cNvPicPr>
+            <a:picLocks noChangeAspect="1" noChangeArrowheads="1"/>
+          </p:cNvPicPr>
+          <p:nvPr/>
+        </p:nvPicPr>
+        <p:blipFill>
+          <a:blip r:embed="rId2">
+            <a:alphaModFix amt="21000"/>
+            <a:extLst>
+              <a:ext uri="{28A0092B-C50C-407E-A947-70E740481C1C}">
+                <a14:useLocalDpi xmlns:a14="http://schemas.microsoft.com/office/drawing/2010/main" val="0"/>
+              </a:ext>
+            </a:extLst>
+          </a:blip>
+          <a:srcRect/>
+          <a:stretch>
+            <a:fillRect/>
+          </a:stretch>
+        </p:blipFill>
+        <p:spPr bwMode="auto">
+          <a:xfrm>
+            <a:off x="0" y="0"/>
+            <a:ext cx="12192000" cy="6299201"/>
+          </a:xfrm>
+          <a:prstGeom prst="rect">
+            <a:avLst/>
+          </a:prstGeom>
+          <a:noFill/>
+          <a:extLst>
+            <a:ext uri="{909E8E84-426E-40DD-AFC4-6F175D3DCCD1}">
+              <a14:hiddenFill xmlns:a14="http://schemas.microsoft.com/office/drawing/2010/main">
+                <a:solidFill>
+                  <a:srgbClr val="FFFFFF"/>
+                </a:solidFill>
+              </a14:hiddenFill>
+            </a:ext>
+          </a:extLst>
+        </p:spPr>
+      </p:pic>
       <p:sp>
         <p:nvSpPr>
           <p:cNvPr id="2" name="Title 1">
@@ -7739,16 +7774,64 @@
         </p:nvSpPr>
         <p:spPr/>
         <p:txBody>
-          <a:bodyPr/>
+          <a:bodyPr>
+            <a:normAutofit/>
+          </a:bodyPr>
           <a:lstStyle/>
           <a:p>
-            <a:endParaRPr lang="en-US"/>
+            <a:pPr lvl="1"/>
+            <a:r>
+              <a:rPr lang="en-US" sz="2800" dirty="0"/>
+              <a:t>Import GPIO Library</a:t>
+            </a:r>
+          </a:p>
+          <a:p>
+            <a:pPr lvl="1"/>
+            <a:r>
+              <a:rPr lang="en-US" sz="2800" dirty="0"/>
+              <a:t>Set which pin button wires are connected to</a:t>
+            </a:r>
+          </a:p>
+          <a:p>
+            <a:pPr lvl="1"/>
+            <a:r>
+              <a:rPr lang="en-US" sz="2800" dirty="0"/>
+              <a:t>Assign buttons as variables</a:t>
+            </a:r>
+          </a:p>
+          <a:p>
+            <a:pPr lvl="1"/>
+            <a:r>
+              <a:rPr lang="en-US" sz="2800" dirty="0"/>
+              <a:t>Create while loop</a:t>
+            </a:r>
+          </a:p>
+          <a:p>
+            <a:pPr lvl="1"/>
+            <a:r>
+              <a:rPr lang="en-US" sz="2800" dirty="0"/>
+              <a:t>If button is pushed, opens website</a:t>
+            </a:r>
+          </a:p>
+          <a:p>
+            <a:pPr lvl="1"/>
+            <a:r>
+              <a:rPr lang="en-US" sz="2800" dirty="0"/>
+              <a:t>If web browser is already open, closes previous browser and opens new website</a:t>
+            </a:r>
+          </a:p>
+          <a:p>
+            <a:pPr lvl="1"/>
+            <a:r>
+              <a:rPr lang="en-US" sz="2800" dirty="0"/>
+              <a:t>Continues to check for buttons being pushed</a:t>
+            </a:r>
           </a:p>
         </p:txBody>
       </p:sp>
-      <mc:AlternateContent xmlns:mc="http://schemas.openxmlformats.org/markup-compatibility/2006">
-        <mc:Choice xmlns:p14="http://schemas.microsoft.com/office/powerpoint/2010/main" Requires="p14">
-          <p:contentPart p14:bwMode="auto" r:id="rId2">
+      <mc:AlternateContent xmlns:mc="http://schemas.openxmlformats.org/markup-compatibility/2006" xmlns:p14="http://schemas.microsoft.com/office/powerpoint/2010/main">
+        <mc:Choice Requires="p14">
+          <p:contentPart p14:bwMode="auto" r:id="rId3">
             <p14:nvContentPartPr>
               <p14:cNvPr id="4" name="Ink 3">
                 <a:extLst>
@@ -7766,7 +7849,7 @@
             </p14:xfrm>
           </p:contentPart>
         </mc:Choice>
-        <mc:Fallback>
+        <mc:Fallback xmlns="">
           <p:pic>
             <p:nvPicPr>
               <p:cNvPr id="4" name="Ink 3">
@@ -7780,7 +7863,7 @@
               <p:nvPr/>
             </p:nvPicPr>
             <p:blipFill>
-              <a:blip r:embed="rId3"/>
+              <a:blip r:embed="rId4"/>
               <a:stretch>
                 <a:fillRect/>
               </a:stretch>
@@ -7797,9 +7880,9 @@
           </p:pic>
         </mc:Fallback>
       </mc:AlternateContent>
-      <mc:AlternateContent xmlns:mc="http://schemas.openxmlformats.org/markup-compatibility/2006">
-        <mc:Choice xmlns:p14="http://schemas.microsoft.com/office/powerpoint/2010/main" Requires="p14">
-          <p:contentPart p14:bwMode="auto" r:id="rId4">
+      <mc:AlternateContent xmlns:mc="http://schemas.openxmlformats.org/markup-compatibility/2006" xmlns:p14="http://schemas.microsoft.com/office/powerpoint/2010/main">
+        <mc:Choice Requires="p14">
+          <p:contentPart p14:bwMode="auto" r:id="rId5">
             <p14:nvContentPartPr>
               <p14:cNvPr id="5" name="Ink 4">
                 <a:extLst>
@@ -7817,7 +7900,7 @@
             </p14:xfrm>
           </p:contentPart>
         </mc:Choice>
-        <mc:Fallback>
+        <mc:Fallback xmlns="">
           <p:pic>
             <p:nvPicPr>
               <p:cNvPr id="5" name="Ink 4">
@@ -7831,7 +7914,7 @@
               <p:nvPr/>
             </p:nvPicPr>
             <p:blipFill>
-              <a:blip r:embed="rId3"/>
+              <a:blip r:embed="rId4"/>
               <a:stretch>
                 <a:fillRect/>
               </a:stretch>
@@ -7848,9 +7931,9 @@
           </p:pic>
         </mc:Fallback>
       </mc:AlternateContent>
-      <mc:AlternateContent xmlns:mc="http://schemas.openxmlformats.org/markup-compatibility/2006">
-        <mc:Choice xmlns:p14="http://schemas.microsoft.com/office/powerpoint/2010/main" Requires="p14">
-          <p:contentPart p14:bwMode="auto" r:id="rId5">
+      <mc:AlternateContent xmlns:mc="http://schemas.openxmlformats.org/markup-compatibility/2006" xmlns:p14="http://schemas.microsoft.com/office/powerpoint/2010/main">
+        <mc:Choice Requires="p14">
+          <p:contentPart p14:bwMode="auto" r:id="rId6">
             <p14:nvContentPartPr>
               <p14:cNvPr id="6" name="Ink 5">
                 <a:extLst>
@@ -7868,7 +7951,7 @@
             </p14:xfrm>
           </p:contentPart>
         </mc:Choice>
-        <mc:Fallback>
+        <mc:Fallback xmlns="">
           <p:pic>
             <p:nvPicPr>
               <p:cNvPr id="6" name="Ink 5">
@@ -7882,7 +7965,7 @@
               <p:nvPr/>
             </p:nvPicPr>
             <p:blipFill>
-              <a:blip r:embed="rId3"/>
+              <a:blip r:embed="rId4"/>
               <a:stretch>
                 <a:fillRect/>
               </a:stretch>
@@ -7947,8 +8030,8 @@
         </p:nvSpPr>
         <p:spPr>
           <a:xfrm>
-            <a:off x="1066800" y="343753"/>
-            <a:ext cx="10058400" cy="1450757"/>
+            <a:off x="0" y="0"/>
+            <a:ext cx="10058400" cy="869950"/>
           </a:xfrm>
         </p:spPr>
         <p:txBody>
@@ -7977,14 +8060,14 @@
           <p:nvPr>
             <p:extLst>
               <p:ext uri="{D42A27DB-BD31-4B8C-83A1-F6EECF244321}">
-                <p14:modId xmlns:p14="http://schemas.microsoft.com/office/powerpoint/2010/main" val="727862160"/>
+                <p14:modId xmlns:p14="http://schemas.microsoft.com/office/powerpoint/2010/main" val="1068923326"/>
               </p:ext>
             </p:extLst>
           </p:nvPr>
         </p:nvGraphicFramePr>
         <p:xfrm>
-          <a:off x="527050" y="1900766"/>
-          <a:ext cx="11407776" cy="4271435"/>
+          <a:off x="232410" y="803486"/>
+          <a:ext cx="11407776" cy="5518090"/>
         </p:xfrm>
         <a:graphic>
           <a:graphicData uri="http://schemas.openxmlformats.org/drawingml/2006/table">
@@ -8083,7 +8166,10 @@
                     <a:bodyPr/>
                     <a:lstStyle/>
                     <a:p>
-                      <a:endParaRPr lang="en-US" dirty="0"/>
+                      <a:r>
+                        <a:rPr lang="en-US" dirty="0"/>
+                        <a:t>Research similar projects / hardware</a:t>
+                      </a:r>
                     </a:p>
                   </a:txBody>
                   <a:tcPr/>
@@ -8093,7 +8179,10 @@
                     <a:bodyPr/>
                     <a:lstStyle/>
                     <a:p>
-                      <a:endParaRPr lang="en-US"/>
+                      <a:r>
+                        <a:rPr lang="en-US" dirty="0"/>
+                        <a:t>Found good hardware layout of mapping with similar code, was able to use some of what was done in class</a:t>
+                      </a:r>
                     </a:p>
                   </a:txBody>
                   <a:tcPr/>
@@ -8123,7 +8212,10 @@
                     <a:bodyPr/>
                     <a:lstStyle/>
                     <a:p>
-                      <a:endParaRPr lang="en-US"/>
+                      <a:r>
+                        <a:rPr lang="en-US" dirty="0"/>
+                        <a:t>Create Roadmap / Acquire Hardware</a:t>
+                      </a:r>
                     </a:p>
                   </a:txBody>
                   <a:tcPr/>
@@ -8133,7 +8225,10 @@
                     <a:bodyPr/>
                     <a:lstStyle/>
                     <a:p>
-                      <a:endParaRPr lang="en-US"/>
+                      <a:r>
+                        <a:rPr lang="en-US" dirty="0"/>
+                        <a:t>Originally thought did not need breadboard, then found that it may be needed, did not know that Raspberry Pi’s do not come with MicroSD card</a:t>
+                      </a:r>
                     </a:p>
                   </a:txBody>
                   <a:tcPr/>
@@ -8163,7 +8258,10 @@
                     <a:bodyPr/>
                     <a:lstStyle/>
                     <a:p>
-                      <a:endParaRPr lang="en-US"/>
+                      <a:r>
+                        <a:rPr lang="en-US" dirty="0"/>
+                        <a:t>Create framework for code / Assemble hardware</a:t>
+                      </a:r>
                     </a:p>
                   </a:txBody>
                   <a:tcPr/>
@@ -8173,7 +8271,10 @@
                     <a:bodyPr/>
                     <a:lstStyle/>
                     <a:p>
-                      <a:endParaRPr lang="en-US"/>
+                      <a:r>
+                        <a:rPr lang="en-US" dirty="0"/>
+                        <a:t>Large amount of time spent on Ubuntu getting libraries and modules installed correctly</a:t>
+                      </a:r>
                     </a:p>
                   </a:txBody>
                   <a:tcPr/>
@@ -8203,7 +8304,10 @@
                     <a:bodyPr/>
                     <a:lstStyle/>
                     <a:p>
-                      <a:endParaRPr lang="en-US"/>
+                      <a:r>
+                        <a:rPr lang="en-US" dirty="0"/>
+                        <a:t>Get buttons working / integration testing / troubleshoot hardware</a:t>
+                      </a:r>
                     </a:p>
                   </a:txBody>
                   <a:tcPr/>
@@ -8213,7 +8317,18 @@
                     <a:bodyPr/>
                     <a:lstStyle/>
                     <a:p>
-                      <a:endParaRPr lang="en-US"/>
+                      <a:r>
+                        <a:rPr lang="en-US" dirty="0"/>
+                        <a:t>Was able to wire membrane button without breadboard, ultimately decided that it was better to use another OS on the Raspberry Pi and used </a:t>
+                      </a:r>
+                      <a:r>
+                        <a:rPr lang="en-US" dirty="0" err="1"/>
+                        <a:t>Raspian</a:t>
+                      </a:r>
+                      <a:r>
+                        <a:rPr lang="en-US" dirty="0"/>
+                        <a:t> </a:t>
+                      </a:r>
                     </a:p>
                   </a:txBody>
                   <a:tcPr/>
@@ -8243,7 +8358,10 @@
                     <a:bodyPr/>
                     <a:lstStyle/>
                     <a:p>
-                      <a:endParaRPr lang="en-US"/>
+                      <a:r>
+                        <a:rPr lang="en-US" dirty="0"/>
+                        <a:t>Final touches on code</a:t>
+                      </a:r>
                     </a:p>
                   </a:txBody>
                   <a:tcPr/>
@@ -8283,7 +8401,10 @@
                     <a:bodyPr/>
                     <a:lstStyle/>
                     <a:p>
-                      <a:endParaRPr lang="en-US" dirty="0"/>
+                      <a:r>
+                        <a:rPr lang="en-US" dirty="0"/>
+                        <a:t>Establish RDP connection / QA code and test hardware</a:t>
+                      </a:r>
                     </a:p>
                   </a:txBody>
                   <a:tcPr/>
@@ -8387,7 +8508,28 @@
           <a:bodyPr/>
           <a:lstStyle/>
           <a:p>
-            <a:endParaRPr lang="en-US"/>
+            <a:r>
+              <a:rPr lang="en-US" dirty="0"/>
+              <a:t>Hardware – had not used hardware before, so ended up waiting on shipping (from Amazon) on different components – Breadboard and kit, MicroSD card, ended up buying multiple MicroSD cards to be able to get project working</a:t>
+            </a:r>
+          </a:p>
+          <a:p>
+            <a:r>
+              <a:rPr lang="en-US" dirty="0"/>
+              <a:t>Hardware is limited due to processing capabilities and should not run Selenium (very heavy development software for automated testing)</a:t>
+            </a:r>
+          </a:p>
+          <a:p>
+            <a:r>
+              <a:rPr lang="en-US" dirty="0"/>
+              <a:t>Limitations of Software, there were some assumptions made in my code design that needed to be adjusted during the development process. One of these is that python does not have a good refresh browser functionality. As a result, this was taken out of scope and added to another Java script (future) project. </a:t>
+            </a:r>
+          </a:p>
+          <a:p>
+            <a:r>
+              <a:rPr lang="en-US" dirty="0"/>
+              <a:t>Business Environment – Needs of the customer changed from when this was originally started and although it was completed, will need to be used for another application or client as original client is no longer associated. </a:t>
+            </a:r>
           </a:p>
         </p:txBody>
       </p:sp>
@@ -8407,6 +8549,16 @@
 <file path=ppt/slides/slide7.xml><?xml version="1.0" encoding="utf-8"?>
 <p:sld xmlns:a="http://schemas.openxmlformats.org/drawingml/2006/main" xmlns:r="http://schemas.openxmlformats.org/officeDocument/2006/relationships" xmlns:p="http://schemas.openxmlformats.org/presentationml/2006/main">
   <p:cSld>
+    <p:bg>
+      <p:bgPr>
+        <a:solidFill>
+          <a:schemeClr val="bg1">
+            <a:alpha val="16000"/>
+          </a:schemeClr>
+        </a:solidFill>
+        <a:effectLst/>
+      </p:bgPr>
+    </p:bg>
     <p:spTree>
       <p:nvGrpSpPr>
         <p:cNvPr id="1" name=""/>
@@ -8421,6 +8573,54 @@
           <a:chExt cx="0" cy="0"/>
         </a:xfrm>
       </p:grpSpPr>
+      <p:pic>
+        <p:nvPicPr>
+          <p:cNvPr id="3074" name="Picture 2" descr="Image result for lessons learned">
+            <a:extLst>
+              <a:ext uri="{FF2B5EF4-FFF2-40B4-BE49-F238E27FC236}">
+                <a16:creationId xmlns:a16="http://schemas.microsoft.com/office/drawing/2014/main" id="{24D8EA79-8BEE-4A62-B404-81A3CC56830F}"/>
+              </a:ext>
+            </a:extLst>
+          </p:cNvPr>
+          <p:cNvPicPr>
+            <a:picLocks noChangeAspect="1" noChangeArrowheads="1"/>
+          </p:cNvPicPr>
+          <p:nvPr/>
+        </p:nvPicPr>
+        <p:blipFill>
+          <a:blip r:embed="rId2">
+            <a:alphaModFix amt="25000"/>
+            <a:extLst>
+              <a:ext uri="{28A0092B-C50C-407E-A947-70E740481C1C}">
+                <a14:useLocalDpi xmlns:a14="http://schemas.microsoft.com/office/drawing/2010/main" val="0"/>
+              </a:ext>
+            </a:extLst>
+          </a:blip>
+          <a:srcRect/>
+          <a:stretch>
+            <a:fillRect/>
+          </a:stretch>
+        </p:blipFill>
+        <p:spPr bwMode="auto">
+          <a:xfrm>
+            <a:off x="0" y="0"/>
+            <a:ext cx="12192000" cy="6303699"/>
+          </a:xfrm>
+          <a:prstGeom prst="rect">
+            <a:avLst/>
+          </a:prstGeom>
+          <a:noFill/>
+          <a:extLst>
+            <a:ext uri="{909E8E84-426E-40DD-AFC4-6F175D3DCCD1}">
+              <a14:hiddenFill xmlns:a14="http://schemas.microsoft.com/office/drawing/2010/main">
+                <a:solidFill>
+                  <a:srgbClr val="FFFFFF"/>
+                </a:solidFill>
+              </a14:hiddenFill>
+            </a:ext>
+          </a:extLst>
+        </p:spPr>
+      </p:pic>
       <p:sp>
         <p:nvSpPr>
           <p:cNvPr id="2" name="Title 1">
@@ -8465,12 +8665,52 @@
             <p:ph idx="1"/>
           </p:nvPr>
         </p:nvSpPr>
-        <p:spPr/>
+        <p:spPr>
+          <a:xfrm>
+            <a:off x="1097279" y="1845734"/>
+            <a:ext cx="10437495" cy="4023360"/>
+          </a:xfrm>
+        </p:spPr>
         <p:txBody>
           <a:bodyPr/>
           <a:lstStyle/>
           <a:p>
-            <a:endParaRPr lang="en-US"/>
+            <a:r>
+              <a:rPr lang="en-US" sz="2800" dirty="0"/>
+              <a:t>Although understanding the limitations of the code is important but. . . </a:t>
+            </a:r>
+          </a:p>
+          <a:p>
+            <a:pPr lvl="1"/>
+            <a:r>
+              <a:rPr lang="en-US" sz="2400" dirty="0"/>
+              <a:t>Hardware must have all necessary components to complete requirements</a:t>
+            </a:r>
+          </a:p>
+          <a:p>
+            <a:pPr lvl="1"/>
+            <a:r>
+              <a:rPr lang="en-US" sz="2400" dirty="0"/>
+              <a:t>Must take time in advance to evaluate all additional software used for effectiveness, ease of use and interdependency</a:t>
+            </a:r>
+          </a:p>
+          <a:p>
+            <a:pPr lvl="1"/>
+            <a:r>
+              <a:rPr lang="en-US" sz="2400" dirty="0"/>
+              <a:t>Looking up additional functionality takes as long as writing and testing existing code</a:t>
+            </a:r>
+          </a:p>
+          <a:p>
+            <a:pPr lvl="1"/>
+            <a:r>
+              <a:rPr lang="en-US" sz="2400" dirty="0"/>
+              <a:t>The associated coding and setup with the software on the Raspberry Pi OS originally selected, Ubuntu took significant effort to learn as I had not used this before</a:t>
+            </a:r>
+          </a:p>
+          <a:p>
+            <a:pPr lvl="1"/>
+            <a:endParaRPr lang="en-US" dirty="0"/>
           </a:p>
         </p:txBody>
       </p:sp>
@@ -8478,6 +8718,396 @@
     <p:extLst>
       <p:ext uri="{BB962C8B-B14F-4D97-AF65-F5344CB8AC3E}">
         <p14:creationId xmlns:p14="http://schemas.microsoft.com/office/powerpoint/2010/main" val="3485735893"/>
+      </p:ext>
+    </p:extLst>
+  </p:cSld>
+  <p:clrMapOvr>
+    <a:masterClrMapping/>
+  </p:clrMapOvr>
+</p:sld>
+</file>
+
+<file path=ppt/slides/slide8.xml><?xml version="1.0" encoding="utf-8"?>
+<p:sld xmlns:a="http://schemas.openxmlformats.org/drawingml/2006/main" xmlns:r="http://schemas.openxmlformats.org/officeDocument/2006/relationships" xmlns:p="http://schemas.openxmlformats.org/presentationml/2006/main">
+  <p:cSld>
+    <p:spTree>
+      <p:nvGrpSpPr>
+        <p:cNvPr id="1" name=""/>
+        <p:cNvGrpSpPr/>
+        <p:nvPr/>
+      </p:nvGrpSpPr>
+      <p:grpSpPr>
+        <a:xfrm>
+          <a:off x="0" y="0"/>
+          <a:ext cx="0" cy="0"/>
+          <a:chOff x="0" y="0"/>
+          <a:chExt cx="0" cy="0"/>
+        </a:xfrm>
+      </p:grpSpPr>
+      <p:sp useBgFill="1">
+        <p:nvSpPr>
+          <p:cNvPr id="71" name="Rectangle 70">
+            <a:extLst>
+              <a:ext uri="{FF2B5EF4-FFF2-40B4-BE49-F238E27FC236}">
+                <a16:creationId xmlns:a16="http://schemas.microsoft.com/office/drawing/2014/main" id="{52ABB703-2B0E-4C3B-B4A2-F3973548E561}"/>
+              </a:ext>
+              <a:ext uri="{C183D7F6-B498-43B3-948B-1728B52AA6E4}">
+                <adec:decorative xmlns:adec="http://schemas.microsoft.com/office/drawing/2017/decorative" val="1"/>
+              </a:ext>
+            </a:extLst>
+          </p:cNvPr>
+          <p:cNvSpPr>
+            <a:spLocks noGrp="1" noRot="1" noChangeAspect="1" noMove="1" noResize="1" noEditPoints="1" noAdjustHandles="1" noChangeArrowheads="1" noChangeShapeType="1" noTextEdit="1"/>
+          </p:cNvSpPr>
+          <p:nvPr>
+            <p:extLst>
+              <p:ext uri="{386F3935-93C4-4BCD-93E2-E3B085C9AB24}">
+                <p16:designElem xmlns:p16="http://schemas.microsoft.com/office/powerpoint/2015/main" val="1"/>
+              </p:ext>
+            </p:extLst>
+          </p:nvPr>
+        </p:nvSpPr>
+        <p:spPr>
+          <a:xfrm>
+            <a:off x="0" y="0"/>
+            <a:ext cx="12192001" cy="6334316"/>
+          </a:xfrm>
+          <a:prstGeom prst="rect">
+            <a:avLst/>
+          </a:prstGeom>
+          <a:ln>
+            <a:noFill/>
+          </a:ln>
+        </p:spPr>
+        <p:style>
+          <a:lnRef idx="2">
+            <a:schemeClr val="accent1">
+              <a:shade val="50000"/>
+            </a:schemeClr>
+          </a:lnRef>
+          <a:fillRef idx="1">
+            <a:schemeClr val="accent1"/>
+          </a:fillRef>
+          <a:effectRef idx="0">
+            <a:schemeClr val="accent1"/>
+          </a:effectRef>
+          <a:fontRef idx="minor">
+            <a:schemeClr val="lt1"/>
+          </a:fontRef>
+        </p:style>
+        <p:txBody>
+          <a:bodyPr rtlCol="0" anchor="ctr"/>
+          <a:lstStyle/>
+          <a:p>
+            <a:pPr algn="ctr"/>
+            <a:endParaRPr lang="en-US"/>
+          </a:p>
+        </p:txBody>
+      </p:sp>
+      <p:sp>
+        <p:nvSpPr>
+          <p:cNvPr id="2" name="Title 1">
+            <a:extLst>
+              <a:ext uri="{FF2B5EF4-FFF2-40B4-BE49-F238E27FC236}">
+                <a16:creationId xmlns:a16="http://schemas.microsoft.com/office/drawing/2014/main" id="{7D8C2D3B-52E0-4397-B8E7-85A29527D130}"/>
+              </a:ext>
+            </a:extLst>
+          </p:cNvPr>
+          <p:cNvSpPr>
+            <a:spLocks noGrp="1"/>
+          </p:cNvSpPr>
+          <p:nvPr>
+            <p:ph type="title"/>
+          </p:nvPr>
+        </p:nvSpPr>
+        <p:spPr>
+          <a:xfrm>
+            <a:off x="6225901" y="170209"/>
+            <a:ext cx="5312955" cy="1450757"/>
+          </a:xfrm>
+        </p:spPr>
+        <p:txBody>
+          <a:bodyPr>
+            <a:normAutofit/>
+          </a:bodyPr>
+          <a:lstStyle/>
+          <a:p>
+            <a:r>
+              <a:rPr lang="en-US" dirty="0"/>
+              <a:t>If I had more time. . .</a:t>
+            </a:r>
+          </a:p>
+        </p:txBody>
+      </p:sp>
+      <p:pic>
+        <p:nvPicPr>
+          <p:cNvPr id="1026" name="Picture 2" descr="Image result for more time">
+            <a:extLst>
+              <a:ext uri="{FF2B5EF4-FFF2-40B4-BE49-F238E27FC236}">
+                <a16:creationId xmlns:a16="http://schemas.microsoft.com/office/drawing/2014/main" id="{63602AB8-307D-49A5-B852-3394FF88E40F}"/>
+              </a:ext>
+            </a:extLst>
+          </p:cNvPr>
+          <p:cNvPicPr>
+            <a:picLocks noChangeAspect="1" noChangeArrowheads="1"/>
+          </p:cNvPicPr>
+          <p:nvPr/>
+        </p:nvPicPr>
+        <p:blipFill>
+          <a:blip r:embed="rId2">
+            <a:extLst>
+              <a:ext uri="{28A0092B-C50C-407E-A947-70E740481C1C}">
+                <a14:useLocalDpi xmlns:a14="http://schemas.microsoft.com/office/drawing/2010/main" val="0"/>
+              </a:ext>
+            </a:extLst>
+          </a:blip>
+          <a:stretch>
+            <a:fillRect/>
+          </a:stretch>
+        </p:blipFill>
+        <p:spPr bwMode="auto">
+          <a:xfrm>
+            <a:off x="643192" y="829376"/>
+            <a:ext cx="5451627" cy="4879206"/>
+          </a:xfrm>
+          <a:prstGeom prst="rect">
+            <a:avLst/>
+          </a:prstGeom>
+          <a:noFill/>
+          <a:extLst>
+            <a:ext uri="{909E8E84-426E-40DD-AFC4-6F175D3DCCD1}">
+              <a14:hiddenFill xmlns:a14="http://schemas.microsoft.com/office/drawing/2010/main">
+                <a:solidFill>
+                  <a:srgbClr val="FFFFFF"/>
+                </a:solidFill>
+              </a14:hiddenFill>
+            </a:ext>
+          </a:extLst>
+        </p:spPr>
+      </p:pic>
+      <p:cxnSp>
+        <p:nvCxnSpPr>
+          <p:cNvPr id="73" name="Straight Connector 72">
+            <a:extLst>
+              <a:ext uri="{FF2B5EF4-FFF2-40B4-BE49-F238E27FC236}">
+                <a16:creationId xmlns:a16="http://schemas.microsoft.com/office/drawing/2014/main" id="{9C21570E-E159-49A6-9891-FA397B7A92D3}"/>
+              </a:ext>
+              <a:ext uri="{C183D7F6-B498-43B3-948B-1728B52AA6E4}">
+                <adec:decorative xmlns:adec="http://schemas.microsoft.com/office/drawing/2017/decorative" val="1"/>
+              </a:ext>
+            </a:extLst>
+          </p:cNvPr>
+          <p:cNvCxnSpPr>
+            <a:cxnSpLocks noGrp="1" noRot="1" noChangeAspect="1" noMove="1" noResize="1" noEditPoints="1" noAdjustHandles="1" noChangeArrowheads="1" noChangeShapeType="1"/>
+          </p:cNvCxnSpPr>
+          <p:nvPr>
+            <p:extLst>
+              <p:ext uri="{386F3935-93C4-4BCD-93E2-E3B085C9AB24}">
+                <p16:designElem xmlns:p16="http://schemas.microsoft.com/office/powerpoint/2015/main" val="1"/>
+              </p:ext>
+            </p:extLst>
+          </p:nvPr>
+        </p:nvCxnSpPr>
+        <p:spPr>
+          <a:xfrm>
+            <a:off x="6411684" y="2086188"/>
+            <a:ext cx="4748808" cy="0"/>
+          </a:xfrm>
+          <a:prstGeom prst="line">
+            <a:avLst/>
+          </a:prstGeom>
+          <a:ln w="6350">
+            <a:solidFill>
+              <a:schemeClr val="tx1">
+                <a:lumMod val="50000"/>
+                <a:lumOff val="50000"/>
+                <a:alpha val="90000"/>
+              </a:schemeClr>
+            </a:solidFill>
+          </a:ln>
+        </p:spPr>
+        <p:style>
+          <a:lnRef idx="1">
+            <a:schemeClr val="accent1"/>
+          </a:lnRef>
+          <a:fillRef idx="0">
+            <a:schemeClr val="accent1"/>
+          </a:fillRef>
+          <a:effectRef idx="0">
+            <a:schemeClr val="accent1"/>
+          </a:effectRef>
+          <a:fontRef idx="minor">
+            <a:schemeClr val="tx1"/>
+          </a:fontRef>
+        </p:style>
+      </p:cxnSp>
+      <p:sp>
+        <p:nvSpPr>
+          <p:cNvPr id="3" name="Content Placeholder 2">
+            <a:extLst>
+              <a:ext uri="{FF2B5EF4-FFF2-40B4-BE49-F238E27FC236}">
+                <a16:creationId xmlns:a16="http://schemas.microsoft.com/office/drawing/2014/main" id="{F5A8E4EA-D3AA-4091-8FC9-4A95F42E8307}"/>
+              </a:ext>
+            </a:extLst>
+          </p:cNvPr>
+          <p:cNvSpPr>
+            <a:spLocks noGrp="1"/>
+          </p:cNvSpPr>
+          <p:nvPr>
+            <p:ph idx="1"/>
+          </p:nvPr>
+        </p:nvSpPr>
+        <p:spPr>
+          <a:xfrm>
+            <a:off x="6411684" y="2198914"/>
+            <a:ext cx="5127172" cy="3670180"/>
+          </a:xfrm>
+        </p:spPr>
+        <p:txBody>
+          <a:bodyPr>
+            <a:normAutofit/>
+          </a:bodyPr>
+          <a:lstStyle/>
+          <a:p>
+            <a:r>
+              <a:rPr lang="en-US" dirty="0"/>
+              <a:t>Add link to Java script on local browser and write Java script to refresh browser</a:t>
+            </a:r>
+          </a:p>
+          <a:p>
+            <a:r>
+              <a:rPr lang="en-US" dirty="0"/>
+              <a:t>Create more advanced titling, that is more descriptive than “Button 1 pushed”</a:t>
+            </a:r>
+          </a:p>
+          <a:p>
+            <a:r>
+              <a:rPr lang="en-US" dirty="0"/>
+              <a:t>Build more aesthetically pleasing case / hide ribbons connecting push button to the Raspberry Pi</a:t>
+            </a:r>
+          </a:p>
+          <a:p>
+            <a:r>
+              <a:rPr lang="en-US" dirty="0"/>
+              <a:t>Create better looping that does not have config errors (code works). </a:t>
+            </a:r>
+          </a:p>
+        </p:txBody>
+      </p:sp>
+      <p:sp>
+        <p:nvSpPr>
+          <p:cNvPr id="75" name="Rectangle 74">
+            <a:extLst>
+              <a:ext uri="{FF2B5EF4-FFF2-40B4-BE49-F238E27FC236}">
+                <a16:creationId xmlns:a16="http://schemas.microsoft.com/office/drawing/2014/main" id="{E95DA498-D9A2-4DA9-B9DA-B3776E08CF7E}"/>
+              </a:ext>
+              <a:ext uri="{C183D7F6-B498-43B3-948B-1728B52AA6E4}">
+                <adec:decorative xmlns:adec="http://schemas.microsoft.com/office/drawing/2017/decorative" val="1"/>
+              </a:ext>
+            </a:extLst>
+          </p:cNvPr>
+          <p:cNvSpPr>
+            <a:spLocks noGrp="1" noRot="1" noChangeAspect="1" noMove="1" noResize="1" noEditPoints="1" noAdjustHandles="1" noChangeArrowheads="1" noChangeShapeType="1" noTextEdit="1"/>
+          </p:cNvSpPr>
+          <p:nvPr>
+            <p:extLst>
+              <p:ext uri="{386F3935-93C4-4BCD-93E2-E3B085C9AB24}">
+                <p16:designElem xmlns:p16="http://schemas.microsoft.com/office/powerpoint/2015/main" val="1"/>
+              </p:ext>
+            </p:extLst>
+          </p:nvPr>
+        </p:nvSpPr>
+        <p:spPr>
+          <a:xfrm>
+            <a:off x="15" y="6334316"/>
+            <a:ext cx="12191985" cy="66484"/>
+          </a:xfrm>
+          <a:prstGeom prst="rect">
+            <a:avLst/>
+          </a:prstGeom>
+          <a:solidFill>
+            <a:schemeClr val="accent1"/>
+          </a:solidFill>
+          <a:ln>
+            <a:noFill/>
+          </a:ln>
+        </p:spPr>
+        <p:style>
+          <a:lnRef idx="2">
+            <a:schemeClr val="accent1">
+              <a:shade val="50000"/>
+            </a:schemeClr>
+          </a:lnRef>
+          <a:fillRef idx="1">
+            <a:schemeClr val="accent1"/>
+          </a:fillRef>
+          <a:effectRef idx="0">
+            <a:schemeClr val="accent1"/>
+          </a:effectRef>
+          <a:fontRef idx="minor">
+            <a:schemeClr val="lt1"/>
+          </a:fontRef>
+        </p:style>
+      </p:sp>
+      <p:sp>
+        <p:nvSpPr>
+          <p:cNvPr id="77" name="Rectangle 76">
+            <a:extLst>
+              <a:ext uri="{FF2B5EF4-FFF2-40B4-BE49-F238E27FC236}">
+                <a16:creationId xmlns:a16="http://schemas.microsoft.com/office/drawing/2014/main" id="{82A73093-4B9D-420D-B17E-52293703A1D4}"/>
+              </a:ext>
+              <a:ext uri="{C183D7F6-B498-43B3-948B-1728B52AA6E4}">
+                <adec:decorative xmlns:adec="http://schemas.microsoft.com/office/drawing/2017/decorative" val="1"/>
+              </a:ext>
+            </a:extLst>
+          </p:cNvPr>
+          <p:cNvSpPr>
+            <a:spLocks noGrp="1" noRot="1" noChangeAspect="1" noMove="1" noResize="1" noEditPoints="1" noAdjustHandles="1" noChangeArrowheads="1" noChangeShapeType="1" noTextEdit="1"/>
+          </p:cNvSpPr>
+          <p:nvPr>
+            <p:extLst>
+              <p:ext uri="{386F3935-93C4-4BCD-93E2-E3B085C9AB24}">
+                <p16:designElem xmlns:p16="http://schemas.microsoft.com/office/powerpoint/2015/main" val="1"/>
+              </p:ext>
+            </p:extLst>
+          </p:nvPr>
+        </p:nvSpPr>
+        <p:spPr>
+          <a:xfrm>
+            <a:off x="1" y="6400800"/>
+            <a:ext cx="12192000" cy="457200"/>
+          </a:xfrm>
+          <a:prstGeom prst="rect">
+            <a:avLst/>
+          </a:prstGeom>
+          <a:solidFill>
+            <a:schemeClr val="accent2"/>
+          </a:solidFill>
+          <a:ln>
+            <a:noFill/>
+          </a:ln>
+        </p:spPr>
+        <p:style>
+          <a:lnRef idx="2">
+            <a:schemeClr val="accent1">
+              <a:shade val="50000"/>
+            </a:schemeClr>
+          </a:lnRef>
+          <a:fillRef idx="1">
+            <a:schemeClr val="accent1"/>
+          </a:fillRef>
+          <a:effectRef idx="0">
+            <a:schemeClr val="accent1"/>
+          </a:effectRef>
+          <a:fontRef idx="minor">
+            <a:schemeClr val="lt1"/>
+          </a:fontRef>
+        </p:style>
+      </p:sp>
+    </p:spTree>
+    <p:extLst>
+      <p:ext uri="{BB962C8B-B14F-4D97-AF65-F5344CB8AC3E}">
+        <p14:creationId xmlns:p14="http://schemas.microsoft.com/office/powerpoint/2010/main" val="2690079324"/>
       </p:ext>
     </p:extLst>
   </p:cSld>
